--- a/slides/titanium.pptx
+++ b/slides/titanium.pptx
@@ -30,7 +30,7 @@
     <p:sldId id="308" r:id="rId18"/>
   </p:sldIdLst>
   <p:sldSz cx="9144000" cy="6858000" type="screen4x3"/>
-  <p:notesSz cx="6858000" cy="9144000"/>
+  <p:notesSz cx="7315200" cy="9601200"/>
   <p:defaultTextStyle>
     <a:defPPr>
       <a:defRPr lang="en-US"/>
@@ -194,17 +194,17 @@
         <p:spPr>
           <a:xfrm>
             <a:off x="0" y="0"/>
-            <a:ext cx="2971800" cy="457200"/>
+            <a:ext cx="3169920" cy="480060"/>
           </a:xfrm>
           <a:prstGeom prst="rect">
             <a:avLst/>
           </a:prstGeom>
         </p:spPr>
         <p:txBody>
-          <a:bodyPr vert="horz" lIns="91440" tIns="45720" rIns="91440" bIns="45720" rtlCol="0"/>
+          <a:bodyPr vert="horz" lIns="96661" tIns="48331" rIns="96661" bIns="48331" rtlCol="0"/>
           <a:lstStyle>
             <a:lvl1pPr algn="l">
-              <a:defRPr sz="1200">
+              <a:defRPr sz="1300">
                 <a:latin typeface="Trebuchet MS" charset="0"/>
                 <a:ea typeface="ＭＳ Ｐゴシック" charset="0"/>
                 <a:cs typeface="ＭＳ Ｐゴシック" charset="0"/>
@@ -231,29 +231,29 @@
         </p:nvSpPr>
         <p:spPr>
           <a:xfrm>
-            <a:off x="3884613" y="0"/>
-            <a:ext cx="2971800" cy="457200"/>
+            <a:off x="4143587" y="0"/>
+            <a:ext cx="3169920" cy="480060"/>
           </a:xfrm>
           <a:prstGeom prst="rect">
             <a:avLst/>
           </a:prstGeom>
         </p:spPr>
         <p:txBody>
-          <a:bodyPr vert="horz" wrap="square" lIns="91440" tIns="45720" rIns="91440" bIns="45720" numCol="1" anchor="t" anchorCtr="0" compatLnSpc="1">
+          <a:bodyPr vert="horz" wrap="square" lIns="96661" tIns="48331" rIns="96661" bIns="48331" numCol="1" anchor="t" anchorCtr="0" compatLnSpc="1">
             <a:prstTxWarp prst="textNoShape">
               <a:avLst/>
             </a:prstTxWarp>
           </a:bodyPr>
           <a:lstStyle>
             <a:lvl1pPr algn="r">
-              <a:defRPr sz="1200"/>
+              <a:defRPr sz="1300"/>
             </a:lvl1pPr>
           </a:lstStyle>
           <a:p>
             <a:fld id="{CB1C0148-A166-4A48-A32D-4594D92E5A7B}" type="datetime1">
               <a:rPr lang="en-US"/>
               <a:pPr/>
-              <a:t>4/25/2011</a:t>
+              <a:t>4/26/2011</a:t>
             </a:fld>
             <a:endParaRPr lang="en-US"/>
           </a:p>
@@ -271,18 +271,18 @@
         </p:nvSpPr>
         <p:spPr>
           <a:xfrm>
-            <a:off x="0" y="8685213"/>
-            <a:ext cx="2971800" cy="457200"/>
+            <a:off x="0" y="9119474"/>
+            <a:ext cx="3169920" cy="480060"/>
           </a:xfrm>
           <a:prstGeom prst="rect">
             <a:avLst/>
           </a:prstGeom>
         </p:spPr>
         <p:txBody>
-          <a:bodyPr vert="horz" lIns="91440" tIns="45720" rIns="91440" bIns="45720" rtlCol="0" anchor="b"/>
+          <a:bodyPr vert="horz" lIns="96661" tIns="48331" rIns="96661" bIns="48331" rtlCol="0" anchor="b"/>
           <a:lstStyle>
             <a:lvl1pPr algn="l">
-              <a:defRPr sz="1200">
+              <a:defRPr sz="1300">
                 <a:latin typeface="Trebuchet MS" charset="0"/>
                 <a:ea typeface="ＭＳ Ｐゴシック" charset="0"/>
                 <a:cs typeface="ＭＳ Ｐゴシック" charset="0"/>
@@ -309,22 +309,22 @@
         </p:nvSpPr>
         <p:spPr>
           <a:xfrm>
-            <a:off x="3884613" y="8685213"/>
-            <a:ext cx="2971800" cy="457200"/>
+            <a:off x="4143587" y="9119474"/>
+            <a:ext cx="3169920" cy="480060"/>
           </a:xfrm>
           <a:prstGeom prst="rect">
             <a:avLst/>
           </a:prstGeom>
         </p:spPr>
         <p:txBody>
-          <a:bodyPr vert="horz" wrap="square" lIns="91440" tIns="45720" rIns="91440" bIns="45720" numCol="1" anchor="b" anchorCtr="0" compatLnSpc="1">
+          <a:bodyPr vert="horz" wrap="square" lIns="96661" tIns="48331" rIns="96661" bIns="48331" numCol="1" anchor="b" anchorCtr="0" compatLnSpc="1">
             <a:prstTxWarp prst="textNoShape">
               <a:avLst/>
             </a:prstTxWarp>
           </a:bodyPr>
           <a:lstStyle>
             <a:lvl1pPr algn="r">
-              <a:defRPr sz="1200"/>
+              <a:defRPr sz="1300"/>
             </a:lvl1pPr>
           </a:lstStyle>
           <a:p>
@@ -378,17 +378,17 @@
         <p:spPr>
           <a:xfrm>
             <a:off x="0" y="0"/>
-            <a:ext cx="2971800" cy="457200"/>
+            <a:ext cx="3169920" cy="480060"/>
           </a:xfrm>
           <a:prstGeom prst="rect">
             <a:avLst/>
           </a:prstGeom>
         </p:spPr>
         <p:txBody>
-          <a:bodyPr vert="horz" lIns="91440" tIns="45720" rIns="91440" bIns="45720" rtlCol="0"/>
+          <a:bodyPr vert="horz" lIns="96661" tIns="48331" rIns="96661" bIns="48331" rtlCol="0"/>
           <a:lstStyle>
             <a:lvl1pPr algn="l">
-              <a:defRPr sz="1200">
+              <a:defRPr sz="1300">
                 <a:latin typeface="Trebuchet MS" charset="0"/>
                 <a:ea typeface="ＭＳ Ｐゴシック" charset="0"/>
                 <a:cs typeface="ＭＳ Ｐゴシック" charset="0"/>
@@ -415,29 +415,29 @@
         </p:nvSpPr>
         <p:spPr>
           <a:xfrm>
-            <a:off x="3884613" y="0"/>
-            <a:ext cx="2971800" cy="457200"/>
+            <a:off x="4143587" y="0"/>
+            <a:ext cx="3169920" cy="480060"/>
           </a:xfrm>
           <a:prstGeom prst="rect">
             <a:avLst/>
           </a:prstGeom>
         </p:spPr>
         <p:txBody>
-          <a:bodyPr vert="horz" wrap="square" lIns="91440" tIns="45720" rIns="91440" bIns="45720" numCol="1" anchor="t" anchorCtr="0" compatLnSpc="1">
+          <a:bodyPr vert="horz" wrap="square" lIns="96661" tIns="48331" rIns="96661" bIns="48331" numCol="1" anchor="t" anchorCtr="0" compatLnSpc="1">
             <a:prstTxWarp prst="textNoShape">
               <a:avLst/>
             </a:prstTxWarp>
           </a:bodyPr>
           <a:lstStyle>
             <a:lvl1pPr algn="r">
-              <a:defRPr sz="1200"/>
+              <a:defRPr sz="1300"/>
             </a:lvl1pPr>
           </a:lstStyle>
           <a:p>
             <a:fld id="{3BF130FB-EBD2-45A5-9520-E8CAB73058A4}" type="datetime1">
               <a:rPr lang="en-US"/>
               <a:pPr/>
-              <a:t>4/25/2011</a:t>
+              <a:t>4/26/2011</a:t>
             </a:fld>
             <a:endParaRPr lang="en-US"/>
           </a:p>
@@ -455,8 +455,8 @@
         </p:nvSpPr>
         <p:spPr>
           <a:xfrm>
-            <a:off x="1143000" y="685800"/>
-            <a:ext cx="4572000" cy="3429000"/>
+            <a:off x="1257300" y="720725"/>
+            <a:ext cx="4800600" cy="3600450"/>
           </a:xfrm>
           <a:prstGeom prst="rect">
             <a:avLst/>
@@ -469,7 +469,7 @@
           </a:ln>
         </p:spPr>
         <p:txBody>
-          <a:bodyPr vert="horz" lIns="91440" tIns="45720" rIns="91440" bIns="45720" rtlCol="0" anchor="ctr"/>
+          <a:bodyPr vert="horz" lIns="96661" tIns="48331" rIns="96661" bIns="48331" rtlCol="0" anchor="ctr"/>
           <a:lstStyle/>
           <a:p>
             <a:pPr lvl="0"/>
@@ -489,15 +489,15 @@
         </p:nvSpPr>
         <p:spPr>
           <a:xfrm>
-            <a:off x="685800" y="4343400"/>
-            <a:ext cx="5486400" cy="4114800"/>
+            <a:off x="731520" y="4560570"/>
+            <a:ext cx="5852160" cy="4320540"/>
           </a:xfrm>
           <a:prstGeom prst="rect">
             <a:avLst/>
           </a:prstGeom>
         </p:spPr>
         <p:txBody>
-          <a:bodyPr vert="horz" lIns="91440" tIns="45720" rIns="91440" bIns="45720" rtlCol="0"/>
+          <a:bodyPr vert="horz" lIns="96661" tIns="48331" rIns="96661" bIns="48331" rtlCol="0"/>
           <a:lstStyle/>
           <a:p>
             <a:pPr lvl="0"/>
@@ -549,18 +549,18 @@
         </p:nvSpPr>
         <p:spPr>
           <a:xfrm>
-            <a:off x="0" y="8685213"/>
-            <a:ext cx="2971800" cy="457200"/>
+            <a:off x="0" y="9119474"/>
+            <a:ext cx="3169920" cy="480060"/>
           </a:xfrm>
           <a:prstGeom prst="rect">
             <a:avLst/>
           </a:prstGeom>
         </p:spPr>
         <p:txBody>
-          <a:bodyPr vert="horz" lIns="91440" tIns="45720" rIns="91440" bIns="45720" rtlCol="0" anchor="b"/>
+          <a:bodyPr vert="horz" lIns="96661" tIns="48331" rIns="96661" bIns="48331" rtlCol="0" anchor="b"/>
           <a:lstStyle>
             <a:lvl1pPr algn="l">
-              <a:defRPr sz="1200">
+              <a:defRPr sz="1300">
                 <a:latin typeface="Trebuchet MS" charset="0"/>
                 <a:ea typeface="ＭＳ Ｐゴシック" charset="0"/>
                 <a:cs typeface="ＭＳ Ｐゴシック" charset="0"/>
@@ -587,22 +587,22 @@
         </p:nvSpPr>
         <p:spPr>
           <a:xfrm>
-            <a:off x="3884613" y="8685213"/>
-            <a:ext cx="2971800" cy="457200"/>
+            <a:off x="4143587" y="9119474"/>
+            <a:ext cx="3169920" cy="480060"/>
           </a:xfrm>
           <a:prstGeom prst="rect">
             <a:avLst/>
           </a:prstGeom>
         </p:spPr>
         <p:txBody>
-          <a:bodyPr vert="horz" wrap="square" lIns="91440" tIns="45720" rIns="91440" bIns="45720" numCol="1" anchor="b" anchorCtr="0" compatLnSpc="1">
+          <a:bodyPr vert="horz" wrap="square" lIns="96661" tIns="48331" rIns="96661" bIns="48331" numCol="1" anchor="b" anchorCtr="0" compatLnSpc="1">
             <a:prstTxWarp prst="textNoShape">
               <a:avLst/>
             </a:prstTxWarp>
           </a:bodyPr>
           <a:lstStyle>
             <a:lvl1pPr algn="r">
-              <a:defRPr sz="1200"/>
+              <a:defRPr sz="1300"/>
             </a:lvl1pPr>
           </a:lstStyle>
           <a:p>
@@ -1499,7 +1499,7 @@
             <a:fld id="{5C1315B1-F8A1-4B30-AAC0-8A6630240675}" type="datetime1">
               <a:rPr lang="en-US"/>
               <a:pPr/>
-              <a:t>4/25/2011</a:t>
+              <a:t>4/26/2011</a:t>
             </a:fld>
             <a:endParaRPr lang="en-US"/>
           </a:p>
@@ -1792,7 +1792,7 @@
             <a:fld id="{7452188F-7D0B-4D55-8074-8B5961BE9013}" type="datetime1">
               <a:rPr lang="en-US"/>
               <a:pPr/>
-              <a:t>4/25/2011</a:t>
+              <a:t>4/26/2011</a:t>
             </a:fld>
             <a:endParaRPr lang="en-US"/>
           </a:p>
@@ -1986,7 +1986,7 @@
             <a:fld id="{3DED09F5-45F4-4C9D-A87A-CF9D38B8EF14}" type="datetime1">
               <a:rPr lang="en-US"/>
               <a:pPr/>
-              <a:t>4/25/2011</a:t>
+              <a:t>4/26/2011</a:t>
             </a:fld>
             <a:endParaRPr lang="en-US"/>
           </a:p>
@@ -2190,7 +2190,7 @@
             <a:fld id="{CF378EFB-8B82-40E1-BBE3-0145F05B0D7A}" type="datetime1">
               <a:rPr lang="en-US"/>
               <a:pPr/>
-              <a:t>4/25/2011</a:t>
+              <a:t>4/26/2011</a:t>
             </a:fld>
             <a:endParaRPr lang="en-US"/>
           </a:p>
@@ -2394,7 +2394,7 @@
             <a:fld id="{D3B332AB-0251-42CB-97C1-23D1B0ABBE71}" type="datetime1">
               <a:rPr lang="en-US"/>
               <a:pPr/>
-              <a:t>4/25/2011</a:t>
+              <a:t>4/26/2011</a:t>
             </a:fld>
             <a:endParaRPr lang="en-US"/>
           </a:p>
@@ -2598,7 +2598,7 @@
             <a:fld id="{46B2C7D7-0154-4DCE-9538-B5D1754E173F}" type="datetime1">
               <a:rPr lang="en-US"/>
               <a:pPr/>
-              <a:t>4/25/2011</a:t>
+              <a:t>4/26/2011</a:t>
             </a:fld>
             <a:endParaRPr lang="en-US"/>
           </a:p>
@@ -2802,7 +2802,7 @@
             <a:fld id="{8315A9C8-60A5-4AC2-9E89-01DE805AAB33}" type="datetime1">
               <a:rPr lang="en-US"/>
               <a:pPr/>
-              <a:t>4/25/2011</a:t>
+              <a:t>4/26/2011</a:t>
             </a:fld>
             <a:endParaRPr lang="en-US"/>
           </a:p>
@@ -3006,7 +3006,7 @@
             <a:fld id="{173B1AA9-E33C-437A-A57B-8EFAAFCAB860}" type="datetime1">
               <a:rPr lang="en-US"/>
               <a:pPr/>
-              <a:t>4/25/2011</a:t>
+              <a:t>4/26/2011</a:t>
             </a:fld>
             <a:endParaRPr lang="en-US"/>
           </a:p>
@@ -3295,7 +3295,7 @@
             <a:fld id="{CD32706D-94B3-4E07-8097-0F059566CB1C}" type="datetime1">
               <a:rPr lang="en-US"/>
               <a:pPr/>
-              <a:t>4/25/2011</a:t>
+              <a:t>4/26/2011</a:t>
             </a:fld>
             <a:endParaRPr lang="en-US"/>
           </a:p>
@@ -3499,7 +3499,7 @@
             <a:fld id="{5B90CC6B-72AE-4B3F-8FE7-31D2F2A1B3CA}" type="datetime1">
               <a:rPr lang="en-US"/>
               <a:pPr/>
-              <a:t>4/25/2011</a:t>
+              <a:t>4/26/2011</a:t>
             </a:fld>
             <a:endParaRPr lang="en-US"/>
           </a:p>
@@ -3802,7 +3802,7 @@
             <a:fld id="{C98FEBCF-8BF5-4560-85B0-BE245CFBD246}" type="datetime1">
               <a:rPr lang="en-US"/>
               <a:pPr/>
-              <a:t>4/25/2011</a:t>
+              <a:t>4/26/2011</a:t>
             </a:fld>
             <a:endParaRPr lang="en-US"/>
           </a:p>
@@ -4127,7 +4127,7 @@
             <a:fld id="{693F3628-04EF-4026-8EC6-D0A8C06DDDC0}" type="datetime1">
               <a:rPr lang="en-US"/>
               <a:pPr/>
-              <a:t>4/25/2011</a:t>
+              <a:t>4/26/2011</a:t>
             </a:fld>
             <a:endParaRPr lang="en-US"/>
           </a:p>
@@ -4573,7 +4573,7 @@
             <a:fld id="{4CED14E1-405B-466C-AA7D-E63BC27B7DC6}" type="datetime1">
               <a:rPr lang="en-US"/>
               <a:pPr/>
-              <a:t>4/25/2011</a:t>
+              <a:t>4/26/2011</a:t>
             </a:fld>
             <a:endParaRPr lang="en-US"/>
           </a:p>
@@ -4729,7 +4729,7 @@
             <a:fld id="{89BA8D98-6BAC-40A6-BAAC-B119B4D3211F}" type="datetime1">
               <a:rPr lang="en-US"/>
               <a:pPr/>
-              <a:t>4/25/2011</a:t>
+              <a:t>4/26/2011</a:t>
             </a:fld>
             <a:endParaRPr lang="en-US"/>
           </a:p>
@@ -4862,7 +4862,7 @@
             <a:fld id="{5629FA15-D501-49A0-B9D6-9A358D89B4E3}" type="datetime1">
               <a:rPr lang="en-US"/>
               <a:pPr/>
-              <a:t>4/25/2011</a:t>
+              <a:t>4/26/2011</a:t>
             </a:fld>
             <a:endParaRPr lang="en-US"/>
           </a:p>
@@ -5177,7 +5177,7 @@
             <a:fld id="{C8965A01-EF7B-46AE-9703-1212B2863157}" type="datetime1">
               <a:rPr lang="en-US"/>
               <a:pPr/>
-              <a:t>4/25/2011</a:t>
+              <a:t>4/26/2011</a:t>
             </a:fld>
             <a:endParaRPr lang="en-US"/>
           </a:p>
@@ -8734,6 +8734,7 @@
                   <a:srgbClr val="800000"/>
                 </a:solidFill>
                 <a:ea typeface="ヒラギノ角ゴ Pro W3" charset="-128"/>
+                <a:hlinkClick r:id="rId3"/>
               </a:rPr>
               <a:t>ben.bahrenburg@gmail.com</a:t>
             </a:r>
@@ -8770,20 +8771,21 @@
                   <a:srgbClr val="9C030B"/>
                 </a:solidFill>
                 <a:ea typeface="ヒラギノ角ゴ Pro W3" charset="-128"/>
-                <a:hlinkClick r:id="rId3"/>
+                <a:hlinkClick r:id="rId4"/>
               </a:rPr>
               <a:t>@</a:t>
             </a:r>
             <a:r>
-              <a:rPr lang="en-US" sz="1400" dirty="0" err="1" smtClean="0">
+              <a:rPr lang="en-US" sz="1400" u="sng" dirty="0" err="1" smtClean="0">
                 <a:solidFill>
                   <a:srgbClr val="9C030B"/>
                 </a:solidFill>
                 <a:ea typeface="ヒラギノ角ゴ Pro W3" charset="-128"/>
+                <a:hlinkClick r:id="rId4"/>
               </a:rPr>
               <a:t>benCoding</a:t>
             </a:r>
-            <a:endParaRPr lang="en-US" sz="1400" dirty="0">
+            <a:endParaRPr lang="en-US" sz="1400" u="sng" dirty="0">
               <a:solidFill>
                 <a:srgbClr val="9C030B"/>
               </a:solidFill>
@@ -9002,7 +9004,7 @@
           <p:nvPr/>
         </p:nvPicPr>
         <p:blipFill>
-          <a:blip r:embed="rId4"/>
+          <a:blip r:embed="rId5"/>
           <a:srcRect/>
           <a:stretch>
             <a:fillRect/>
@@ -9100,14 +9102,14 @@
           </a:xfrm>
           <a:extLst>
             <a:ext uri="{909E8E84-426E-40dd-AFC4-6F175D3DCCD1}">
-              <a14:hiddenFill xmlns:a14="http://schemas.microsoft.com/office/drawing/2010/main" xmlns="">
+              <a14:hiddenFill xmlns="" xmlns:a14="http://schemas.microsoft.com/office/drawing/2010/main">
                 <a:solidFill>
                   <a:srgbClr val="FFFFFF"/>
                 </a:solidFill>
               </a14:hiddenFill>
             </a:ext>
             <a:ext uri="{91240B29-F687-4f45-9708-019B960494DF}">
-              <a14:hiddenLine xmlns:a14="http://schemas.microsoft.com/office/drawing/2010/main" xmlns="" w="9525">
+              <a14:hiddenLine xmlns="" xmlns:a14="http://schemas.microsoft.com/office/drawing/2010/main" w="9525">
                 <a:solidFill>
                   <a:srgbClr val="000000"/>
                 </a:solidFill>
@@ -9117,7 +9119,7 @@
               </a14:hiddenLine>
             </a:ext>
             <a:ext uri="{FAA26D3D-D897-4be2-8F04-BA451C77F1D7}">
-              <ma14:placeholderFlag xmlns:ma14="http://schemas.microsoft.com/office/mac/drawingml/2011/main" xmlns="" val="1"/>
+              <ma14:placeholderFlag xmlns="" xmlns:ma14="http://schemas.microsoft.com/office/mac/drawingml/2011/main" val="1"/>
             </a:ext>
           </a:extLst>
         </p:spPr>
@@ -9516,14 +9518,14 @@
           </a:xfrm>
           <a:extLst>
             <a:ext uri="{909E8E84-426E-40dd-AFC4-6F175D3DCCD1}">
-              <a14:hiddenFill xmlns:a14="http://schemas.microsoft.com/office/drawing/2010/main" xmlns="">
+              <a14:hiddenFill xmlns="" xmlns:a14="http://schemas.microsoft.com/office/drawing/2010/main">
                 <a:solidFill>
                   <a:srgbClr val="FFFFFF"/>
                 </a:solidFill>
               </a14:hiddenFill>
             </a:ext>
             <a:ext uri="{91240B29-F687-4f45-9708-019B960494DF}">
-              <a14:hiddenLine xmlns:a14="http://schemas.microsoft.com/office/drawing/2010/main" xmlns="" w="9525">
+              <a14:hiddenLine xmlns="" xmlns:a14="http://schemas.microsoft.com/office/drawing/2010/main" w="9525">
                 <a:solidFill>
                   <a:srgbClr val="000000"/>
                 </a:solidFill>
@@ -9533,7 +9535,7 @@
               </a14:hiddenLine>
             </a:ext>
             <a:ext uri="{FAA26D3D-D897-4be2-8F04-BA451C77F1D7}">
-              <ma14:placeholderFlag xmlns:ma14="http://schemas.microsoft.com/office/mac/drawingml/2011/main" xmlns="" val="1"/>
+              <ma14:placeholderFlag xmlns="" xmlns:ma14="http://schemas.microsoft.com/office/mac/drawingml/2011/main" val="1"/>
             </a:ext>
           </a:extLst>
         </p:spPr>
@@ -9891,6 +9893,7 @@
                     </a:prstClr>
                   </a:innerShdw>
                 </a:effectLst>
+                <a:hlinkClick r:id="rId2"/>
               </a:rPr>
               <a:t>ben.bahrenburg@gmail.com</a:t>
             </a:r>
@@ -9926,6 +9929,7 @@
                     </a:prstClr>
                   </a:innerShdw>
                 </a:effectLst>
+                <a:hlinkClick r:id="rId3"/>
               </a:rPr>
               <a:t>@</a:t>
             </a:r>
@@ -9941,6 +9945,7 @@
                     </a:prstClr>
                   </a:innerShdw>
                 </a:effectLst>
+                <a:hlinkClick r:id="rId3"/>
               </a:rPr>
               <a:t>benCoding</a:t>
             </a:r>
@@ -10110,9 +10115,6 @@
               </a:rPr>
               <a:t>Demos</a:t>
             </a:r>
-            <a:endParaRPr lang="en-US" dirty="0" smtClean="0">
-              <a:ea typeface="ＭＳ Ｐゴシック" charset="-128"/>
-            </a:endParaRPr>
           </a:p>
           <a:p>
             <a:pPr marL="0" eaLnBrk="1" hangingPunct="1"/>
@@ -13304,6 +13306,7 @@
                 <a:solidFill>
                   <a:schemeClr val="accent2"/>
                 </a:solidFill>
+                <a:hlinkClick r:id="rId2"/>
               </a:rPr>
               <a:t>bit.ly/</a:t>
             </a:r>
@@ -13312,6 +13315,7 @@
                 <a:solidFill>
                   <a:schemeClr val="accent2"/>
                 </a:solidFill>
+                <a:hlinkClick r:id="rId2"/>
               </a:rPr>
               <a:t>CodeFabAppcelerator</a:t>
             </a:r>
@@ -13320,6 +13324,7 @@
                 <a:solidFill>
                   <a:schemeClr val="accent2"/>
                 </a:solidFill>
+                <a:hlinkClick r:id="rId2"/>
               </a:rPr>
               <a:t> </a:t>
             </a:r>
@@ -13355,7 +13360,7 @@
           <p:nvPr/>
         </p:nvPicPr>
         <p:blipFill>
-          <a:blip r:embed="rId2"/>
+          <a:blip r:embed="rId3"/>
           <a:srcRect/>
           <a:stretch>
             <a:fillRect/>
